--- a/group_assignment/presentation/presentation.pptx
+++ b/group_assignment/presentation/presentation.pptx
@@ -11,6 +11,7 @@
     <p:sldId id="259" r:id="rId5"/>
     <p:sldId id="260" r:id="rId6"/>
     <p:sldId id="261" r:id="rId7"/>
+    <p:sldId id="262" r:id="rId8"/>
   </p:sldIdLst>
   <p:sldSz cx="12192000" cy="6858000"/>
   <p:notesSz cx="6858000" cy="9144000"/>
@@ -109,6 +110,11 @@
       </a:defRPr>
     </a:lvl9pPr>
   </p:defaultTextStyle>
+  <p:extLst>
+    <p:ext uri="{EFAFB233-063F-42B5-8137-9DF3F51BA10A}">
+      <p15:sldGuideLst xmlns:p15="http://schemas.microsoft.com/office/powerpoint/2012/main"/>
+    </p:ext>
+  </p:extLst>
 </p:presentation>
 </file>
 
@@ -3945,7 +3951,7 @@
           <a:p>
             <a:r>
               <a:rPr lang="en-US" dirty="0"/>
-              <a:t>A.I FOR ENGINEERING</a:t>
+              <a:t>A.I. FOR ENGINEERING</a:t>
             </a:r>
           </a:p>
         </p:txBody>
@@ -4046,37 +4052,97 @@
         </p:nvSpPr>
         <p:spPr/>
         <p:txBody>
+          <a:bodyPr>
+            <a:normAutofit fontScale="90000"/>
+          </a:bodyPr>
+          <a:lstStyle/>
+          <a:p>
+            <a:r>
+              <a:rPr lang="en-AU" dirty="0"/>
+              <a:t>A.I. Powered Detection of Roadside Asset Issues</a:t>
+            </a:r>
+            <a:endParaRPr lang="en-US" dirty="0"/>
+          </a:p>
+        </p:txBody>
+      </p:sp>
+      <p:sp>
+        <p:nvSpPr>
+          <p:cNvPr id="3" name="Content Placeholder 2">
+            <a:extLst>
+              <a:ext uri="{FF2B5EF4-FFF2-40B4-BE49-F238E27FC236}">
+                <a16:creationId xmlns:a16="http://schemas.microsoft.com/office/drawing/2014/main" id="{9C28739D-47DC-99BC-1800-8736AEDC1657}"/>
+              </a:ext>
+            </a:extLst>
+          </p:cNvPr>
+          <p:cNvSpPr>
+            <a:spLocks noGrp="1"/>
+          </p:cNvSpPr>
+          <p:nvPr>
+            <p:ph idx="1"/>
+          </p:nvPr>
+        </p:nvSpPr>
+        <p:spPr/>
+        <p:txBody>
           <a:bodyPr/>
           <a:lstStyle/>
           <a:p>
+            <a:pPr>
+              <a:buFont typeface="Arial" panose="020B0604020202020204" pitchFamily="34" charset="0"/>
+              <a:buChar char="•"/>
+            </a:pPr>
+            <a:r>
+              <a:rPr lang="en-AU" b="1" dirty="0"/>
+              <a:t>Theme</a:t>
+            </a:r>
             <a:r>
               <a:rPr lang="en-AU" dirty="0"/>
-              <a:t>Project Overview</a:t>
-            </a:r>
-            <a:endParaRPr lang="en-US" dirty="0"/>
-          </a:p>
-        </p:txBody>
-      </p:sp>
-      <p:sp>
-        <p:nvSpPr>
-          <p:cNvPr id="3" name="Content Placeholder 2">
-            <a:extLst>
-              <a:ext uri="{FF2B5EF4-FFF2-40B4-BE49-F238E27FC236}">
-                <a16:creationId xmlns:a16="http://schemas.microsoft.com/office/drawing/2014/main" id="{9C28739D-47DC-99BC-1800-8736AEDC1657}"/>
-              </a:ext>
-            </a:extLst>
-          </p:cNvPr>
-          <p:cNvSpPr>
-            <a:spLocks noGrp="1"/>
-          </p:cNvSpPr>
-          <p:nvPr>
-            <p:ph idx="1"/>
-          </p:nvPr>
-        </p:nvSpPr>
-        <p:spPr/>
-        <p:txBody>
-          <a:bodyPr/>
-          <a:lstStyle/>
+              <a:t>: Smart City / Civil and Construction Engineering</a:t>
+            </a:r>
+          </a:p>
+          <a:p>
+            <a:pPr>
+              <a:buFont typeface="Arial" panose="020B0604020202020204" pitchFamily="34" charset="0"/>
+              <a:buChar char="•"/>
+            </a:pPr>
+            <a:r>
+              <a:rPr lang="en-AU" b="1" dirty="0"/>
+              <a:t>Key Objective</a:t>
+            </a:r>
+            <a:r>
+              <a:rPr lang="en-AU" dirty="0"/>
+              <a:t>:</a:t>
+            </a:r>
+          </a:p>
+          <a:p>
+            <a:pPr marL="742950" lvl="1" indent="-285750">
+              <a:buFont typeface="Arial" panose="020B0604020202020204" pitchFamily="34" charset="0"/>
+              <a:buChar char="•"/>
+            </a:pPr>
+            <a:r>
+              <a:rPr lang="en-AU" dirty="0"/>
+              <a:t>Leverage AI to automate the detection of roadside asset issues, including damaged road signs and illegally dumped rubbish.</a:t>
+            </a:r>
+          </a:p>
+          <a:p>
+            <a:pPr marL="742950" lvl="1" indent="-285750">
+              <a:buFont typeface="Arial" panose="020B0604020202020204" pitchFamily="34" charset="0"/>
+              <a:buChar char="•"/>
+            </a:pPr>
+            <a:r>
+              <a:rPr lang="en-AU" dirty="0"/>
+              <a:t>Enhance urban infrastructure maintenance through efficient and accurate deep learning models.</a:t>
+            </a:r>
+          </a:p>
+          <a:p>
+            <a:r>
+              <a:rPr lang="en-AU" b="1" dirty="0"/>
+              <a:t>Why this is better</a:t>
+            </a:r>
+            <a:r>
+              <a:rPr lang="en-AU" dirty="0"/>
+              <a:t>: It's more concise and focuses on the power of AI to solve infrastructure problems, emphasizing both the "automation" and "urban infrastructure maintenance."</a:t>
+            </a:r>
+          </a:p>
           <a:p>
             <a:endParaRPr lang="en-US" dirty="0"/>
           </a:p>
@@ -4135,7 +4201,7 @@
           <a:p>
             <a:r>
               <a:rPr lang="en-AU" dirty="0"/>
-              <a:t>Team Introduction &amp; Contributions</a:t>
+              <a:t>Meet Our Team</a:t>
             </a:r>
             <a:endParaRPr lang="en-US" dirty="0"/>
           </a:p>
@@ -4162,7 +4228,85 @@
           <a:bodyPr/>
           <a:lstStyle/>
           <a:p>
-            <a:endParaRPr lang="en-US"/>
+            <a:r>
+              <a:rPr lang="en-AU" b="1" dirty="0"/>
+              <a:t>Team Members &amp; Roles</a:t>
+            </a:r>
+            <a:r>
+              <a:rPr lang="en-AU" dirty="0"/>
+              <a:t>:</a:t>
+            </a:r>
+          </a:p>
+          <a:p>
+            <a:pPr lvl="1"/>
+            <a:r>
+              <a:rPr lang="en-AU" b="1" dirty="0" err="1"/>
+              <a:t>Rupayan</a:t>
+            </a:r>
+            <a:r>
+              <a:rPr lang="en-AU" b="1" dirty="0"/>
+              <a:t> Banerjee</a:t>
+            </a:r>
+            <a:r>
+              <a:rPr lang="en-AU" dirty="0"/>
+              <a:t>: Led data annotation and developed the user interface for interacting with the model.</a:t>
+            </a:r>
+          </a:p>
+          <a:p>
+            <a:pPr lvl="1"/>
+            <a:r>
+              <a:rPr lang="en-AU" b="1" dirty="0"/>
+              <a:t>Vivek Saini</a:t>
+            </a:r>
+            <a:r>
+              <a:rPr lang="en-AU" dirty="0"/>
+              <a:t>: Researched and tested pre-trained object detection models.</a:t>
+            </a:r>
+          </a:p>
+          <a:p>
+            <a:pPr lvl="1"/>
+            <a:r>
+              <a:rPr lang="en-AU" b="1" dirty="0"/>
+              <a:t>Tran Duc Anh Dang</a:t>
+            </a:r>
+            <a:r>
+              <a:rPr lang="en-AU" dirty="0"/>
+              <a:t>: Pre-processed the data and contributed to training the deep learning model.</a:t>
+            </a:r>
+          </a:p>
+          <a:p>
+            <a:pPr lvl="1"/>
+            <a:r>
+              <a:rPr lang="en-AU" b="1" dirty="0" err="1"/>
+              <a:t>Lochana</a:t>
+            </a:r>
+            <a:r>
+              <a:rPr lang="en-AU" b="1" dirty="0"/>
+              <a:t> Hettiarachchi</a:t>
+            </a:r>
+            <a:r>
+              <a:rPr lang="en-AU" dirty="0"/>
+              <a:t>: Fine-tuned the model and led evaluation efforts to improve accuracy.</a:t>
+            </a:r>
+          </a:p>
+          <a:p>
+            <a:pPr lvl="1"/>
+            <a:r>
+              <a:rPr lang="en-AU" b="1" dirty="0" err="1"/>
+              <a:t>Akindu</a:t>
+            </a:r>
+            <a:r>
+              <a:rPr lang="en-AU" b="1" dirty="0"/>
+              <a:t> </a:t>
+            </a:r>
+            <a:r>
+              <a:rPr lang="en-AU" b="1" dirty="0" err="1"/>
+              <a:t>Wikramarachchi</a:t>
+            </a:r>
+            <a:r>
+              <a:rPr lang="en-AU" dirty="0"/>
+              <a:t>: Focused on model testing and final performance analysis.</a:t>
+            </a:r>
           </a:p>
         </p:txBody>
       </p:sp>
@@ -4219,7 +4363,7 @@
           <a:p>
             <a:r>
               <a:rPr lang="en-AU" dirty="0"/>
-              <a:t>Motivations &amp; Real-World Applications</a:t>
+              <a:t>Why AI for Roadside Issues?</a:t>
             </a:r>
             <a:endParaRPr lang="en-US" dirty="0"/>
           </a:p>
@@ -4243,10 +4387,103 @@
         </p:nvSpPr>
         <p:spPr/>
         <p:txBody>
-          <a:bodyPr/>
-          <a:lstStyle/>
-          <a:p>
-            <a:endParaRPr lang="en-US"/>
+          <a:bodyPr>
+            <a:normAutofit fontScale="92500" lnSpcReduction="20000"/>
+          </a:bodyPr>
+          <a:lstStyle/>
+          <a:p>
+            <a:r>
+              <a:rPr lang="en-AU" b="1" dirty="0"/>
+              <a:t>Motivations</a:t>
+            </a:r>
+            <a:r>
+              <a:rPr lang="en-AU" dirty="0"/>
+              <a:t>:</a:t>
+            </a:r>
+          </a:p>
+          <a:p>
+            <a:pPr lvl="1"/>
+            <a:r>
+              <a:rPr lang="en-AU" dirty="0"/>
+              <a:t>Manual monitoring is </a:t>
+            </a:r>
+            <a:r>
+              <a:rPr lang="en-AU" dirty="0" err="1"/>
+              <a:t>labor</a:t>
+            </a:r>
+            <a:r>
+              <a:rPr lang="en-AU" dirty="0"/>
+              <a:t> intensive and prone to delays.</a:t>
+            </a:r>
+          </a:p>
+          <a:p>
+            <a:pPr lvl="1"/>
+            <a:r>
+              <a:rPr lang="en-AU" dirty="0"/>
+              <a:t>AI enables rapid, automated detection, reducing costs and improving response times.</a:t>
+            </a:r>
+          </a:p>
+          <a:p>
+            <a:pPr lvl="1"/>
+            <a:r>
+              <a:rPr lang="en-AU" dirty="0"/>
+              <a:t>Contributes to smarter, cleaner cities with fewer environmental hazards.</a:t>
+            </a:r>
+          </a:p>
+          <a:p>
+            <a:r>
+              <a:rPr lang="en-AU" b="1" dirty="0"/>
+              <a:t>Real-World Applications</a:t>
+            </a:r>
+            <a:r>
+              <a:rPr lang="en-AU" dirty="0"/>
+              <a:t>:</a:t>
+            </a:r>
+          </a:p>
+          <a:p>
+            <a:pPr lvl="1">
+              <a:buFont typeface="+mj-lt"/>
+              <a:buAutoNum type="arabicPeriod"/>
+            </a:pPr>
+            <a:r>
+              <a:rPr lang="en-AU" b="1" dirty="0"/>
+              <a:t>Urban Infrastructure Management</a:t>
+            </a:r>
+            <a:r>
+              <a:rPr lang="en-AU" dirty="0"/>
+              <a:t>: Automate the detection of road sign damage and illegal dumping to streamline maintenance.</a:t>
+            </a:r>
+          </a:p>
+          <a:p>
+            <a:pPr lvl="1">
+              <a:buFont typeface="+mj-lt"/>
+              <a:buAutoNum type="arabicPeriod"/>
+            </a:pPr>
+            <a:r>
+              <a:rPr lang="en-AU" b="1" dirty="0"/>
+              <a:t>Environmental Monitoring</a:t>
+            </a:r>
+            <a:r>
+              <a:rPr lang="en-AU" dirty="0"/>
+              <a:t>: Quickly identify and address environmental issues, enhancing public safety and cleanliness.</a:t>
+            </a:r>
+          </a:p>
+          <a:p>
+            <a:pPr lvl="1">
+              <a:buFont typeface="+mj-lt"/>
+              <a:buAutoNum type="arabicPeriod"/>
+            </a:pPr>
+            <a:r>
+              <a:rPr lang="en-AU" b="1" dirty="0"/>
+              <a:t>Smart City Integration</a:t>
+            </a:r>
+            <a:r>
+              <a:rPr lang="en-AU" dirty="0"/>
+              <a:t>: Enable real-time, automated asset monitoring to optimize resource allocation for city councils.</a:t>
+            </a:r>
+          </a:p>
+          <a:p>
+            <a:endParaRPr lang="en-US" dirty="0"/>
           </a:p>
         </p:txBody>
       </p:sp>
@@ -4303,7 +4540,7 @@
           <a:p>
             <a:r>
               <a:rPr lang="en-AU" dirty="0"/>
-              <a:t>Dataset Snapshot</a:t>
+              <a:t>Dataset Overview</a:t>
             </a:r>
             <a:endParaRPr lang="en-US" dirty="0"/>
           </a:p>
@@ -4327,10 +4564,78 @@
         </p:nvSpPr>
         <p:spPr/>
         <p:txBody>
-          <a:bodyPr/>
-          <a:lstStyle/>
-          <a:p>
-            <a:endParaRPr lang="en-US"/>
+          <a:bodyPr>
+            <a:normAutofit/>
+          </a:bodyPr>
+          <a:lstStyle/>
+          <a:p>
+            <a:pPr>
+              <a:buFont typeface="Arial" panose="020B0604020202020204" pitchFamily="34" charset="0"/>
+              <a:buChar char="•"/>
+            </a:pPr>
+            <a:r>
+              <a:rPr lang="en-AU" b="1" dirty="0"/>
+              <a:t>Dataset Source</a:t>
+            </a:r>
+            <a:r>
+              <a:rPr lang="en-AU" dirty="0"/>
+              <a:t>:</a:t>
+            </a:r>
+          </a:p>
+          <a:p>
+            <a:pPr lvl="1"/>
+            <a:r>
+              <a:rPr lang="en-AU" b="1" dirty="0"/>
+              <a:t>Rubbish Dataset</a:t>
+            </a:r>
+            <a:r>
+              <a:rPr lang="en-AU" dirty="0"/>
+              <a:t>: This dataset contains roadside images with illegally dumped rubbish.</a:t>
+            </a:r>
+          </a:p>
+          <a:p>
+            <a:pPr lvl="1"/>
+            <a:r>
+              <a:rPr lang="en-AU" b="1" dirty="0"/>
+              <a:t>Annotations</a:t>
+            </a:r>
+            <a:r>
+              <a:rPr lang="en-AU" dirty="0"/>
+              <a:t>: We used bounding boxes to label the location of rubbish and identified at least 10 familiar objects within the rubbish, such as mattresses, furniture, toys, and electrical goods.</a:t>
+            </a:r>
+          </a:p>
+          <a:p>
+            <a:pPr lvl="1"/>
+            <a:r>
+              <a:rPr lang="en-AU" b="1" dirty="0"/>
+              <a:t>Tools Used</a:t>
+            </a:r>
+            <a:r>
+              <a:rPr lang="en-AU" dirty="0"/>
+              <a:t>: </a:t>
+            </a:r>
+            <a:r>
+              <a:rPr lang="en-AU" b="1" dirty="0"/>
+              <a:t>LabelMe</a:t>
+            </a:r>
+            <a:r>
+              <a:rPr lang="en-AU" dirty="0"/>
+              <a:t> was used for annotations, and we converted the data into </a:t>
+            </a:r>
+            <a:r>
+              <a:rPr lang="en-AU" b="1" dirty="0"/>
+              <a:t>COCO format</a:t>
+            </a:r>
+            <a:r>
+              <a:rPr lang="en-AU" dirty="0"/>
+              <a:t> using labelme2coco for object detection compatibility.</a:t>
+            </a:r>
+          </a:p>
+          <a:p>
+            <a:pPr marL="0" indent="0">
+              <a:buNone/>
+            </a:pPr>
+            <a:endParaRPr lang="en-US" dirty="0"/>
           </a:p>
         </p:txBody>
       </p:sp>
@@ -4386,10 +4691,10 @@
           <a:lstStyle/>
           <a:p>
             <a:r>
-              <a:rPr lang="en-AU"/>
-              <a:t>Model Utilization &amp; Final Results</a:t>
-            </a:r>
-            <a:endParaRPr lang="en-US"/>
+              <a:rPr lang="en-AU" dirty="0"/>
+              <a:t>Workflow &amp; Architecture</a:t>
+            </a:r>
+            <a:endParaRPr lang="en-US" dirty="0"/>
           </a:p>
         </p:txBody>
       </p:sp>
@@ -4411,10 +4716,75 @@
         </p:nvSpPr>
         <p:spPr/>
         <p:txBody>
-          <a:bodyPr/>
-          <a:lstStyle/>
-          <a:p>
-            <a:endParaRPr lang="en-US"/>
+          <a:bodyPr>
+            <a:normAutofit lnSpcReduction="10000"/>
+          </a:bodyPr>
+          <a:lstStyle/>
+          <a:p>
+            <a:r>
+              <a:rPr lang="en-AU" b="1" dirty="0"/>
+              <a:t>Project Workflow</a:t>
+            </a:r>
+            <a:endParaRPr lang="en-US" dirty="0"/>
+          </a:p>
+          <a:p>
+            <a:pPr lvl="1"/>
+            <a:r>
+              <a:rPr lang="en-AU" b="1" dirty="0"/>
+              <a:t>Data Collection &amp; Annotation</a:t>
+            </a:r>
+            <a:r>
+              <a:rPr lang="en-AU" dirty="0"/>
+              <a:t>: Focused on the </a:t>
+            </a:r>
+            <a:r>
+              <a:rPr lang="en-AU" b="1" dirty="0"/>
+              <a:t>rubbish dataset</a:t>
+            </a:r>
+            <a:r>
+              <a:rPr lang="en-AU" dirty="0"/>
+              <a:t>, where images were labelled with bounding boxes to identify rubbish objects (e.g., mattresses, couches, toys).</a:t>
+            </a:r>
+          </a:p>
+          <a:p>
+            <a:pPr lvl="1"/>
+            <a:r>
+              <a:rPr lang="en-AU" b="1" dirty="0"/>
+              <a:t>Data Preprocessing</a:t>
+            </a:r>
+            <a:r>
+              <a:rPr lang="en-AU" dirty="0"/>
+              <a:t>: Images were resized, normalized, and augmented to prepare the dataset for model training.</a:t>
+            </a:r>
+          </a:p>
+          <a:p>
+            <a:pPr lvl="1"/>
+            <a:r>
+              <a:rPr lang="en-AU" b="1" dirty="0"/>
+              <a:t>Next Step: Model Training</a:t>
+            </a:r>
+            <a:r>
+              <a:rPr lang="en-AU" dirty="0"/>
+              <a:t>: We plan to train the model using YOLOv8 on the annotated rubbish dataset. The model will be fine-tuned to detect dumped rubbish and classify familiar objects based on the labelled data.</a:t>
+            </a:r>
+          </a:p>
+          <a:p>
+            <a:pPr lvl="1"/>
+            <a:r>
+              <a:rPr lang="en-AU" b="1" dirty="0"/>
+              <a:t>Expected Output</a:t>
+            </a:r>
+            <a:r>
+              <a:rPr lang="en-AU" dirty="0"/>
+              <a:t>: The model will output detected objects and issues with confidence scores, helping identify illegally dumped rubbish and its components.</a:t>
+            </a:r>
+          </a:p>
+          <a:p>
+            <a:pPr lvl="1">
+              <a:buFont typeface="+mj-lt"/>
+              <a:buAutoNum type="arabicPeriod"/>
+            </a:pPr>
+            <a:endParaRPr lang="en-US" dirty="0"/>
           </a:p>
         </p:txBody>
       </p:sp>
@@ -4422,6 +4792,264 @@
     <p:extLst>
       <p:ext uri="{BB962C8B-B14F-4D97-AF65-F5344CB8AC3E}">
         <p14:creationId xmlns:p14="http://schemas.microsoft.com/office/powerpoint/2010/main" val="1142149413"/>
+      </p:ext>
+    </p:extLst>
+  </p:cSld>
+  <p:clrMapOvr>
+    <a:masterClrMapping/>
+  </p:clrMapOvr>
+</p:sld>
+</file>
+
+<file path=ppt/slides/slide7.xml><?xml version="1.0" encoding="utf-8"?>
+<p:sld xmlns:a="http://schemas.openxmlformats.org/drawingml/2006/main" xmlns:r="http://schemas.openxmlformats.org/officeDocument/2006/relationships" xmlns:p="http://schemas.openxmlformats.org/presentationml/2006/main">
+  <p:cSld>
+    <p:spTree>
+      <p:nvGrpSpPr>
+        <p:cNvPr id="1" name=""/>
+        <p:cNvGrpSpPr/>
+        <p:nvPr/>
+      </p:nvGrpSpPr>
+      <p:grpSpPr>
+        <a:xfrm>
+          <a:off x="0" y="0"/>
+          <a:ext cx="0" cy="0"/>
+          <a:chOff x="0" y="0"/>
+          <a:chExt cx="0" cy="0"/>
+        </a:xfrm>
+      </p:grpSpPr>
+      <p:sp>
+        <p:nvSpPr>
+          <p:cNvPr id="2" name="Title 1">
+            <a:extLst>
+              <a:ext uri="{FF2B5EF4-FFF2-40B4-BE49-F238E27FC236}">
+                <a16:creationId xmlns:a16="http://schemas.microsoft.com/office/drawing/2014/main" id="{C28B109B-7B59-D7DA-CA34-B1CEB2EEB4CA}"/>
+              </a:ext>
+            </a:extLst>
+          </p:cNvPr>
+          <p:cNvSpPr>
+            <a:spLocks noGrp="1"/>
+          </p:cNvSpPr>
+          <p:nvPr>
+            <p:ph type="title"/>
+          </p:nvPr>
+        </p:nvSpPr>
+        <p:spPr/>
+        <p:txBody>
+          <a:bodyPr/>
+          <a:lstStyle/>
+          <a:p>
+            <a:r>
+              <a:rPr lang="en-AU" dirty="0"/>
+              <a:t>Model Performance &amp; Insights</a:t>
+            </a:r>
+            <a:endParaRPr lang="en-US" dirty="0"/>
+          </a:p>
+        </p:txBody>
+      </p:sp>
+      <p:sp>
+        <p:nvSpPr>
+          <p:cNvPr id="3" name="Content Placeholder 2">
+            <a:extLst>
+              <a:ext uri="{FF2B5EF4-FFF2-40B4-BE49-F238E27FC236}">
+                <a16:creationId xmlns:a16="http://schemas.microsoft.com/office/drawing/2014/main" id="{CC2CCE80-98A3-7136-86F0-5EBA90D0D32E}"/>
+              </a:ext>
+            </a:extLst>
+          </p:cNvPr>
+          <p:cNvSpPr>
+            <a:spLocks noGrp="1"/>
+          </p:cNvSpPr>
+          <p:nvPr>
+            <p:ph idx="1"/>
+          </p:nvPr>
+        </p:nvSpPr>
+        <p:spPr/>
+        <p:txBody>
+          <a:bodyPr>
+            <a:normAutofit fontScale="62500" lnSpcReduction="20000"/>
+          </a:bodyPr>
+          <a:lstStyle/>
+          <a:p>
+            <a:pPr>
+              <a:buFont typeface="Arial" panose="020B0604020202020204" pitchFamily="34" charset="0"/>
+              <a:buChar char="•"/>
+            </a:pPr>
+            <a:r>
+              <a:rPr lang="en-AU" b="1" dirty="0"/>
+              <a:t>Model Chosen</a:t>
+            </a:r>
+            <a:r>
+              <a:rPr lang="en-AU" dirty="0"/>
+              <a:t>:</a:t>
+            </a:r>
+          </a:p>
+          <a:p>
+            <a:pPr marL="742950" lvl="1" indent="-285750">
+              <a:buFont typeface="Arial" panose="020B0604020202020204" pitchFamily="34" charset="0"/>
+              <a:buChar char="•"/>
+            </a:pPr>
+            <a:r>
+              <a:rPr lang="en-AU" b="1" dirty="0"/>
+              <a:t>YOLOv8</a:t>
+            </a:r>
+            <a:r>
+              <a:rPr lang="en-AU" dirty="0"/>
+              <a:t>: Selected for its speed and accuracy in detecting multiple objects within a single image.</a:t>
+            </a:r>
+          </a:p>
+          <a:p>
+            <a:pPr marL="742950" lvl="1" indent="-285750">
+              <a:buFont typeface="Arial" panose="020B0604020202020204" pitchFamily="34" charset="0"/>
+              <a:buChar char="•"/>
+            </a:pPr>
+            <a:r>
+              <a:rPr lang="en-AU" dirty="0"/>
+              <a:t>Optimized for real-time object detection, making it ideal for handling complex roadside scenes with various types of rubbish.</a:t>
+            </a:r>
+          </a:p>
+          <a:p>
+            <a:pPr>
+              <a:buFont typeface="Arial" panose="020B0604020202020204" pitchFamily="34" charset="0"/>
+              <a:buChar char="•"/>
+            </a:pPr>
+            <a:r>
+              <a:rPr lang="en-AU" b="1" dirty="0"/>
+              <a:t>Expected Performance</a:t>
+            </a:r>
+            <a:r>
+              <a:rPr lang="en-AU" dirty="0"/>
+              <a:t>:</a:t>
+            </a:r>
+          </a:p>
+          <a:p>
+            <a:pPr marL="742950" lvl="1" indent="-285750">
+              <a:buFont typeface="Arial" panose="020B0604020202020204" pitchFamily="34" charset="0"/>
+              <a:buChar char="•"/>
+            </a:pPr>
+            <a:r>
+              <a:rPr lang="en-AU" dirty="0"/>
+              <a:t>We expect the model to accurately identify both the location and types of rubbish (e.g., mattresses, couches, toys) with high confidence scores.</a:t>
+            </a:r>
+          </a:p>
+          <a:p>
+            <a:pPr marL="742950" lvl="1" indent="-285750">
+              <a:buFont typeface="Arial" panose="020B0604020202020204" pitchFamily="34" charset="0"/>
+              <a:buChar char="•"/>
+            </a:pPr>
+            <a:r>
+              <a:rPr lang="en-AU" dirty="0"/>
+              <a:t>The model will provide bounding boxes around detected objects, along with confidence levels indicating the likelihood of correct identification.</a:t>
+            </a:r>
+          </a:p>
+          <a:p>
+            <a:pPr>
+              <a:buFont typeface="Arial" panose="020B0604020202020204" pitchFamily="34" charset="0"/>
+              <a:buChar char="•"/>
+            </a:pPr>
+            <a:r>
+              <a:rPr lang="en-AU" b="1" dirty="0"/>
+              <a:t>Next Steps &amp; Evaluation</a:t>
+            </a:r>
+            <a:r>
+              <a:rPr lang="en-AU" dirty="0"/>
+              <a:t>:</a:t>
+            </a:r>
+          </a:p>
+          <a:p>
+            <a:pPr marL="742950" lvl="1" indent="-285750">
+              <a:buFont typeface="Arial" panose="020B0604020202020204" pitchFamily="34" charset="0"/>
+              <a:buChar char="•"/>
+            </a:pPr>
+            <a:r>
+              <a:rPr lang="en-AU" dirty="0"/>
+              <a:t>Once the model is trained, we will evaluate it based on key metrics, including:</a:t>
+            </a:r>
+          </a:p>
+          <a:p>
+            <a:pPr marL="1143000" lvl="2" indent="-228600">
+              <a:buFont typeface="Arial" panose="020B0604020202020204" pitchFamily="34" charset="0"/>
+              <a:buChar char="•"/>
+            </a:pPr>
+            <a:r>
+              <a:rPr lang="en-AU" b="1" dirty="0"/>
+              <a:t>Accuracy</a:t>
+            </a:r>
+            <a:r>
+              <a:rPr lang="en-AU" dirty="0"/>
+              <a:t>: How well the model detects rubbish objects.</a:t>
+            </a:r>
+          </a:p>
+          <a:p>
+            <a:pPr marL="1143000" lvl="2" indent="-228600">
+              <a:buFont typeface="Arial" panose="020B0604020202020204" pitchFamily="34" charset="0"/>
+              <a:buChar char="•"/>
+            </a:pPr>
+            <a:r>
+              <a:rPr lang="en-AU" b="1" dirty="0"/>
+              <a:t>Precision &amp; Recall</a:t>
+            </a:r>
+            <a:r>
+              <a:rPr lang="en-AU" dirty="0"/>
+              <a:t>: The balance between false positives and false negatives.</a:t>
+            </a:r>
+          </a:p>
+          <a:p>
+            <a:pPr marL="1143000" lvl="2" indent="-228600">
+              <a:buFont typeface="Arial" panose="020B0604020202020204" pitchFamily="34" charset="0"/>
+              <a:buChar char="•"/>
+            </a:pPr>
+            <a:r>
+              <a:rPr lang="en-AU" b="1" dirty="0"/>
+              <a:t>Confidence Scores</a:t>
+            </a:r>
+            <a:r>
+              <a:rPr lang="en-AU" dirty="0"/>
+              <a:t>: Providing reliable detection results.</a:t>
+            </a:r>
+          </a:p>
+          <a:p>
+            <a:pPr marL="742950" lvl="1" indent="-285750">
+              <a:buFont typeface="Arial" panose="020B0604020202020204" pitchFamily="34" charset="0"/>
+              <a:buChar char="•"/>
+            </a:pPr>
+            <a:r>
+              <a:rPr lang="en-AU" dirty="0"/>
+              <a:t>Potential challenges include handling varying lighting conditions, object occlusion, and cluttered backgrounds.</a:t>
+            </a:r>
+          </a:p>
+          <a:p>
+            <a:pPr>
+              <a:buFont typeface="Arial" panose="020B0604020202020204" pitchFamily="34" charset="0"/>
+              <a:buChar char="•"/>
+            </a:pPr>
+            <a:r>
+              <a:rPr lang="en-AU" b="1" dirty="0"/>
+              <a:t>Future Improvements</a:t>
+            </a:r>
+            <a:r>
+              <a:rPr lang="en-AU" dirty="0"/>
+              <a:t>:</a:t>
+            </a:r>
+          </a:p>
+          <a:p>
+            <a:pPr marL="742950" lvl="1" indent="-285750">
+              <a:buFont typeface="Arial" panose="020B0604020202020204" pitchFamily="34" charset="0"/>
+              <a:buChar char="•"/>
+            </a:pPr>
+            <a:r>
+              <a:rPr lang="en-AU" dirty="0"/>
+              <a:t>Post-training, we plan to fine-tune the model to improve performance under different environmental conditions (e.g., lighting, weather).</a:t>
+            </a:r>
+          </a:p>
+          <a:p>
+            <a:endParaRPr lang="en-US" dirty="0"/>
+          </a:p>
+        </p:txBody>
+      </p:sp>
+    </p:spTree>
+    <p:extLst>
+      <p:ext uri="{BB962C8B-B14F-4D97-AF65-F5344CB8AC3E}">
+        <p14:creationId xmlns:p14="http://schemas.microsoft.com/office/powerpoint/2010/main" val="871079460"/>
       </p:ext>
     </p:extLst>
   </p:cSld>

--- a/group_assignment/presentation/presentation.pptx
+++ b/group_assignment/presentation/presentation.pptx
@@ -5,13 +5,12 @@
     <p:sldMasterId id="2147483660" r:id="rId1"/>
   </p:sldMasterIdLst>
   <p:sldIdLst>
-    <p:sldId id="256" r:id="rId2"/>
-    <p:sldId id="257" r:id="rId3"/>
-    <p:sldId id="258" r:id="rId4"/>
-    <p:sldId id="259" r:id="rId5"/>
-    <p:sldId id="260" r:id="rId6"/>
-    <p:sldId id="261" r:id="rId7"/>
-    <p:sldId id="262" r:id="rId8"/>
+    <p:sldId id="257" r:id="rId2"/>
+    <p:sldId id="258" r:id="rId3"/>
+    <p:sldId id="259" r:id="rId4"/>
+    <p:sldId id="260" r:id="rId5"/>
+    <p:sldId id="261" r:id="rId6"/>
+    <p:sldId id="262" r:id="rId7"/>
   </p:sldIdLst>
   <p:sldSz cx="12192000" cy="6858000"/>
   <p:notesSz cx="6858000" cy="9144000"/>
@@ -274,7 +273,7 @@
           <a:p>
             <a:fld id="{6444479B-705B-4489-957E-7E8A228BDFA0}" type="datetime1">
               <a:rPr lang="en-US" smtClean="0"/>
-              <a:t>10/12/24</a:t>
+              <a:t>10/14/2024</a:t>
             </a:fld>
             <a:endParaRPr lang="en-US"/>
           </a:p>
@@ -474,7 +473,7 @@
           <a:p>
             <a:fld id="{C07B66AD-7C08-490A-ADA4-B47E10FB2407}" type="datetime1">
               <a:rPr lang="en-US" smtClean="0"/>
-              <a:t>10/12/24</a:t>
+              <a:t>10/14/2024</a:t>
             </a:fld>
             <a:endParaRPr lang="en-US"/>
           </a:p>
@@ -733,7 +732,7 @@
           <a:p>
             <a:fld id="{05B95027-4255-49E7-9841-CD21BCC99996}" type="datetime1">
               <a:rPr lang="en-US" smtClean="0"/>
-              <a:t>10/12/24</a:t>
+              <a:t>10/14/2024</a:t>
             </a:fld>
             <a:endParaRPr lang="en-US"/>
           </a:p>
@@ -974,7 +973,7 @@
           <a:p>
             <a:fld id="{9F89F774-3FA6-43B8-9241-99959C8FD463}" type="datetime1">
               <a:rPr lang="en-US" smtClean="0"/>
-              <a:t>10/12/24</a:t>
+              <a:t>10/14/2024</a:t>
             </a:fld>
             <a:endParaRPr lang="en-US"/>
           </a:p>
@@ -1301,7 +1300,7 @@
           <a:p>
             <a:fld id="{F9504452-5DCC-4FE2-A5C9-8A5EF6714D65}" type="datetime1">
               <a:rPr lang="en-US" smtClean="0"/>
-              <a:t>10/12/24</a:t>
+              <a:t>10/14/2024</a:t>
             </a:fld>
             <a:endParaRPr lang="en-US"/>
           </a:p>
@@ -1611,7 +1610,7 @@
           <a:p>
             <a:fld id="{E579ABC2-0180-4F3A-A895-A85BC724D472}" type="datetime1">
               <a:rPr lang="en-US" smtClean="0"/>
-              <a:t>10/12/24</a:t>
+              <a:t>10/14/2024</a:t>
             </a:fld>
             <a:endParaRPr lang="en-US"/>
           </a:p>
@@ -2029,7 +2028,7 @@
           <a:p>
             <a:fld id="{6AEEA9BA-4E8F-439E-BEA4-91FBA01E3F5F}" type="datetime1">
               <a:rPr lang="en-US" smtClean="0"/>
-              <a:t>10/12/24</a:t>
+              <a:t>10/14/2024</a:t>
             </a:fld>
             <a:endParaRPr lang="en-US"/>
           </a:p>
@@ -2171,7 +2170,7 @@
           <a:p>
             <a:fld id="{BE15BF18-0007-481C-AA29-413124BC3EE7}" type="datetime1">
               <a:rPr lang="en-US" smtClean="0"/>
-              <a:t>10/12/24</a:t>
+              <a:t>10/14/2024</a:t>
             </a:fld>
             <a:endParaRPr lang="en-US"/>
           </a:p>
@@ -2333,7 +2332,7 @@
           <a:p>
             <a:fld id="{09BE9870-3748-43AD-B547-02A075CB4A1D}" type="datetime1">
               <a:rPr lang="en-US" smtClean="0"/>
-              <a:t>10/12/24</a:t>
+              <a:t>10/14/2024</a:t>
             </a:fld>
             <a:endParaRPr lang="en-US"/>
           </a:p>
@@ -2650,7 +2649,7 @@
           <a:p>
             <a:fld id="{558E7897-33C5-4F1A-9307-D068E37F3DC7}" type="datetime1">
               <a:rPr lang="en-US" smtClean="0"/>
-              <a:t>10/12/24</a:t>
+              <a:t>10/14/2024</a:t>
             </a:fld>
             <a:endParaRPr lang="en-US"/>
           </a:p>
@@ -2945,7 +2944,7 @@
           <a:p>
             <a:fld id="{82E171BA-CC09-47C8-A6DF-F5C5CB59CEEC}" type="datetime1">
               <a:rPr lang="en-US" smtClean="0"/>
-              <a:t>10/12/24</a:t>
+              <a:t>10/14/2024</a:t>
             </a:fld>
             <a:endParaRPr lang="en-US"/>
           </a:p>
@@ -3186,7 +3185,7 @@
           <a:p>
             <a:fld id="{7DA38F49-B3E2-4BF0-BEC7-C30D34ABBB8D}" type="datetime1">
               <a:rPr lang="en-US" smtClean="0"/>
-              <a:t>10/12/24</a:t>
+              <a:t>10/14/2024</a:t>
             </a:fld>
             <a:endParaRPr lang="en-US"/>
           </a:p>
@@ -3633,14 +3632,6 @@
 <file path=ppt/slides/slide1.xml><?xml version="1.0" encoding="utf-8"?>
 <p:sld xmlns:a="http://schemas.openxmlformats.org/drawingml/2006/main" xmlns:r="http://schemas.openxmlformats.org/officeDocument/2006/relationships" xmlns:p="http://schemas.openxmlformats.org/presentationml/2006/main">
   <p:cSld>
-    <p:bg>
-      <p:bgPr>
-        <a:solidFill>
-          <a:schemeClr val="bg1"/>
-        </a:solidFill>
-        <a:effectLst/>
-      </p:bgPr>
-    </p:bg>
     <p:spTree>
       <p:nvGrpSpPr>
         <p:cNvPr id="1" name=""/>
@@ -3655,364 +3646,129 @@
           <a:chExt cx="0" cy="0"/>
         </a:xfrm>
       </p:grpSpPr>
-      <p:sp useBgFill="1">
-        <p:nvSpPr>
-          <p:cNvPr id="9" name="Rectangle 8">
-            <a:extLst>
-              <a:ext uri="{FF2B5EF4-FFF2-40B4-BE49-F238E27FC236}">
-                <a16:creationId xmlns:a16="http://schemas.microsoft.com/office/drawing/2014/main" id="{19F9BF86-FE94-4517-B97D-026C7515E589}"/>
-              </a:ext>
-              <a:ext uri="{C183D7F6-B498-43B3-948B-1728B52AA6E4}">
-                <adec:decorative xmlns:adec="http://schemas.microsoft.com/office/drawing/2017/decorative" val="1"/>
-              </a:ext>
-            </a:extLst>
-          </p:cNvPr>
-          <p:cNvSpPr>
-            <a:spLocks noGrp="1" noRot="1" noChangeAspect="1" noMove="1" noResize="1" noEditPoints="1" noAdjustHandles="1" noChangeArrowheads="1" noChangeShapeType="1" noTextEdit="1"/>
-          </p:cNvSpPr>
-          <p:nvPr>
-            <p:extLst>
-              <p:ext uri="{386F3935-93C4-4BCD-93E2-E3B085C9AB24}">
-                <p16:designElem xmlns:p16="http://schemas.microsoft.com/office/powerpoint/2015/main" val="1"/>
-              </p:ext>
-            </p:extLst>
-          </p:nvPr>
-        </p:nvSpPr>
-        <p:spPr>
-          <a:xfrm>
-            <a:off x="0" y="0"/>
-            <a:ext cx="12192000" cy="6858000"/>
-          </a:xfrm>
-          <a:prstGeom prst="rect">
-            <a:avLst/>
-          </a:prstGeom>
-          <a:ln w="12700" cap="flat" cmpd="sng" algn="ctr">
-            <a:noFill/>
-            <a:prstDash val="solid"/>
-            <a:miter lim="800000"/>
-          </a:ln>
-          <a:effectLst/>
-          <a:extLst>
-            <a:ext uri="{91240B29-F687-4F45-9708-019B960494DF}">
-              <a14:hiddenLine xmlns:a14="http://schemas.microsoft.com/office/drawing/2010/main" w="12700" cap="flat" cmpd="sng" algn="ctr">
-                <a:solidFill>
-                  <a:schemeClr val="accent1">
-                    <a:shade val="50000"/>
-                  </a:schemeClr>
-                </a:solidFill>
-                <a:prstDash val="solid"/>
-                <a:miter lim="800000"/>
-              </a14:hiddenLine>
-            </a:ext>
-          </a:extLst>
-        </p:spPr>
-        <p:style>
-          <a:lnRef idx="2">
-            <a:schemeClr val="accent1">
-              <a:shade val="50000"/>
-            </a:schemeClr>
-          </a:lnRef>
-          <a:fillRef idx="1">
-            <a:schemeClr val="accent1"/>
-          </a:fillRef>
-          <a:effectRef idx="0">
-            <a:schemeClr val="accent1"/>
-          </a:effectRef>
-          <a:fontRef idx="minor">
-            <a:schemeClr val="lt1"/>
-          </a:fontRef>
-        </p:style>
-        <p:txBody>
-          <a:bodyPr rtlCol="0" anchor="ctr"/>
-          <a:lstStyle/>
-          <a:p>
-            <a:pPr marL="0" marR="0" lvl="0" indent="0" algn="ctr" defTabSz="914400" rtl="0" eaLnBrk="1" fontAlgn="auto" latinLnBrk="0" hangingPunct="1">
-              <a:lnSpc>
-                <a:spcPct val="100000"/>
-              </a:lnSpc>
-              <a:spcBef>
-                <a:spcPts val="0"/>
-              </a:spcBef>
-              <a:spcAft>
-                <a:spcPts val="0"/>
-              </a:spcAft>
-              <a:buClrTx/>
-              <a:buSzTx/>
-              <a:buFontTx/>
-              <a:buNone/>
-              <a:tabLst/>
-              <a:defRPr/>
-            </a:pPr>
-            <a:endParaRPr kumimoji="0" lang="en-US" sz="1800" b="0" i="0" u="none" strike="noStrike" kern="1200" cap="none" spc="0" normalizeH="0" baseline="0" noProof="0">
-              <a:ln>
-                <a:noFill/>
-              </a:ln>
-              <a:solidFill>
-                <a:prstClr val="white"/>
-              </a:solidFill>
-              <a:effectLst/>
-              <a:uLnTx/>
-              <a:uFillTx/>
-              <a:latin typeface="Grandview Display"/>
-              <a:ea typeface="+mn-ea"/>
-              <a:cs typeface="+mn-cs"/>
-            </a:endParaRPr>
-          </a:p>
-        </p:txBody>
-      </p:sp>
-      <p:pic>
-        <p:nvPicPr>
-          <p:cNvPr id="4" name="Picture 3" descr="Aesthetic liquid watercolor and ink">
-            <a:extLst>
-              <a:ext uri="{FF2B5EF4-FFF2-40B4-BE49-F238E27FC236}">
-                <a16:creationId xmlns:a16="http://schemas.microsoft.com/office/drawing/2014/main" id="{D07FDBA2-104D-BB95-19C2-ECC37D947EDD}"/>
-              </a:ext>
-            </a:extLst>
-          </p:cNvPr>
-          <p:cNvPicPr>
-            <a:picLocks noChangeAspect="1"/>
-          </p:cNvPicPr>
-          <p:nvPr/>
-        </p:nvPicPr>
-        <p:blipFill>
-          <a:blip r:embed="rId2"/>
-          <a:srcRect t="1867" b="6670"/>
-          <a:stretch/>
-        </p:blipFill>
-        <p:spPr>
-          <a:xfrm>
-            <a:off x="1" y="10"/>
-            <a:ext cx="12192000" cy="6857990"/>
-          </a:xfrm>
-          <a:prstGeom prst="rect">
-            <a:avLst/>
-          </a:prstGeom>
-        </p:spPr>
-      </p:pic>
-      <p:sp>
-        <p:nvSpPr>
-          <p:cNvPr id="11" name="Rectangle 10">
-            <a:extLst>
-              <a:ext uri="{FF2B5EF4-FFF2-40B4-BE49-F238E27FC236}">
-                <a16:creationId xmlns:a16="http://schemas.microsoft.com/office/drawing/2014/main" id="{36136311-C81B-47C5-AE0A-5641A5A59520}"/>
-              </a:ext>
-              <a:ext uri="{C183D7F6-B498-43B3-948B-1728B52AA6E4}">
-                <adec:decorative xmlns:adec="http://schemas.microsoft.com/office/drawing/2017/decorative" val="1"/>
-              </a:ext>
-            </a:extLst>
-          </p:cNvPr>
-          <p:cNvSpPr>
-            <a:spLocks noGrp="1" noRot="1" noChangeAspect="1" noMove="1" noResize="1" noEditPoints="1" noAdjustHandles="1" noChangeArrowheads="1" noChangeShapeType="1" noTextEdit="1"/>
-          </p:cNvSpPr>
-          <p:nvPr>
-            <p:extLst>
-              <p:ext uri="{386F3935-93C4-4BCD-93E2-E3B085C9AB24}">
-                <p16:designElem xmlns:p16="http://schemas.microsoft.com/office/powerpoint/2015/main" val="1"/>
-              </p:ext>
-            </p:extLst>
-          </p:nvPr>
-        </p:nvSpPr>
-        <p:spPr>
-          <a:xfrm>
-            <a:off x="294444" y="1066800"/>
-            <a:ext cx="4682990" cy="4724400"/>
-          </a:xfrm>
-          <a:prstGeom prst="rect">
-            <a:avLst/>
-          </a:prstGeom>
-          <a:solidFill>
-            <a:schemeClr val="bg1">
-              <a:alpha val="40000"/>
-            </a:schemeClr>
-          </a:solidFill>
-          <a:ln w="12700" cap="flat" cmpd="sng" algn="ctr">
-            <a:noFill/>
-            <a:prstDash val="solid"/>
-            <a:miter lim="800000"/>
-          </a:ln>
-          <a:effectLst/>
-        </p:spPr>
-        <p:style>
-          <a:lnRef idx="2">
-            <a:schemeClr val="accent1">
-              <a:shade val="50000"/>
-            </a:schemeClr>
-          </a:lnRef>
-          <a:fillRef idx="1">
-            <a:schemeClr val="accent1"/>
-          </a:fillRef>
-          <a:effectRef idx="0">
-            <a:schemeClr val="accent1"/>
-          </a:effectRef>
-          <a:fontRef idx="minor">
-            <a:schemeClr val="lt1"/>
-          </a:fontRef>
-        </p:style>
-        <p:txBody>
-          <a:bodyPr rtlCol="0" anchor="ctr"/>
-          <a:lstStyle/>
-          <a:p>
-            <a:pPr marL="0" marR="0" lvl="0" indent="0" algn="ctr" defTabSz="914400" rtl="0" eaLnBrk="1" fontAlgn="auto" latinLnBrk="0" hangingPunct="1">
-              <a:lnSpc>
-                <a:spcPct val="100000"/>
-              </a:lnSpc>
-              <a:spcBef>
-                <a:spcPts val="0"/>
-              </a:spcBef>
-              <a:spcAft>
-                <a:spcPts val="0"/>
-              </a:spcAft>
-              <a:buClrTx/>
-              <a:buSzTx/>
-              <a:buFontTx/>
-              <a:buNone/>
-              <a:tabLst/>
-              <a:defRPr/>
-            </a:pPr>
-            <a:endParaRPr kumimoji="0" lang="en-US" sz="1800" b="0" i="0" u="none" strike="noStrike" kern="1200" cap="none" spc="0" normalizeH="0" baseline="0" noProof="0">
-              <a:ln>
-                <a:noFill/>
-              </a:ln>
-              <a:solidFill>
-                <a:prstClr val="white"/>
-              </a:solidFill>
-              <a:effectLst/>
-              <a:uLnTx/>
-              <a:uFillTx/>
-              <a:latin typeface="Grandview Display"/>
-              <a:ea typeface="+mn-ea"/>
-              <a:cs typeface="+mn-cs"/>
-            </a:endParaRPr>
-          </a:p>
-        </p:txBody>
-      </p:sp>
       <p:sp>
         <p:nvSpPr>
           <p:cNvPr id="2" name="Title 1">
             <a:extLst>
               <a:ext uri="{FF2B5EF4-FFF2-40B4-BE49-F238E27FC236}">
-                <a16:creationId xmlns:a16="http://schemas.microsoft.com/office/drawing/2014/main" id="{A4CE17B4-CBFA-92B6-9963-84E7E4B3405B}"/>
-              </a:ext>
-            </a:extLst>
-          </p:cNvPr>
-          <p:cNvSpPr>
-            <a:spLocks noGrp="1"/>
-          </p:cNvSpPr>
-          <p:nvPr>
-            <p:ph type="ctrTitle"/>
-          </p:nvPr>
-        </p:nvSpPr>
-        <p:spPr>
-          <a:xfrm>
-            <a:off x="804818" y="1562101"/>
-            <a:ext cx="3905203" cy="2738530"/>
-          </a:xfrm>
-        </p:spPr>
-        <p:txBody>
-          <a:bodyPr anchor="t">
+                <a16:creationId xmlns:a16="http://schemas.microsoft.com/office/drawing/2014/main" id="{CF4ECE33-5DDA-E367-7772-7F5646C0BFD7}"/>
+              </a:ext>
+            </a:extLst>
+          </p:cNvPr>
+          <p:cNvSpPr>
+            <a:spLocks noGrp="1"/>
+          </p:cNvSpPr>
+          <p:nvPr>
+            <p:ph type="title"/>
+          </p:nvPr>
+        </p:nvSpPr>
+        <p:spPr/>
+        <p:txBody>
+          <a:bodyPr>
             <a:normAutofit fontScale="90000"/>
           </a:bodyPr>
           <a:lstStyle/>
           <a:p>
             <a:r>
-              <a:rPr lang="en-US" sz="4800" dirty="0"/>
-              <a:t>Smart City / Civil and Construction Engineering</a:t>
-            </a:r>
-          </a:p>
-        </p:txBody>
-      </p:sp>
-      <p:sp>
-        <p:nvSpPr>
-          <p:cNvPr id="3" name="Subtitle 2">
-            <a:extLst>
-              <a:ext uri="{FF2B5EF4-FFF2-40B4-BE49-F238E27FC236}">
-                <a16:creationId xmlns:a16="http://schemas.microsoft.com/office/drawing/2014/main" id="{960BC9E4-B4B2-53C9-A92B-8A2A2A263517}"/>
-              </a:ext>
-            </a:extLst>
-          </p:cNvPr>
-          <p:cNvSpPr>
-            <a:spLocks noGrp="1"/>
-          </p:cNvSpPr>
-          <p:nvPr>
-            <p:ph type="subTitle" idx="1"/>
-          </p:nvPr>
-        </p:nvSpPr>
-        <p:spPr>
-          <a:xfrm>
-            <a:off x="804818" y="4321622"/>
-            <a:ext cx="3816351" cy="941832"/>
-          </a:xfrm>
-        </p:spPr>
-        <p:txBody>
-          <a:bodyPr>
-            <a:normAutofit/>
-          </a:bodyPr>
-          <a:lstStyle/>
-          <a:p>
-            <a:r>
-              <a:rPr lang="en-US" dirty="0"/>
-              <a:t>A.I. FOR ENGINEERING</a:t>
-            </a:r>
-          </a:p>
-        </p:txBody>
-      </p:sp>
-      <p:cxnSp>
-        <p:nvCxnSpPr>
-          <p:cNvPr id="13" name="Straight Connector 12">
-            <a:extLst>
-              <a:ext uri="{FF2B5EF4-FFF2-40B4-BE49-F238E27FC236}">
-                <a16:creationId xmlns:a16="http://schemas.microsoft.com/office/drawing/2014/main" id="{7CC73A33-65FF-41A9-A3B0-006753CD1028}"/>
-              </a:ext>
-              <a:ext uri="{C183D7F6-B498-43B3-948B-1728B52AA6E4}">
-                <adec:decorative xmlns:adec="http://schemas.microsoft.com/office/drawing/2017/decorative" val="1"/>
-              </a:ext>
-            </a:extLst>
-          </p:cNvPr>
-          <p:cNvCxnSpPr>
-            <a:cxnSpLocks noGrp="1" noRot="1" noChangeAspect="1" noMove="1" noResize="1" noEditPoints="1" noAdjustHandles="1" noChangeArrowheads="1" noChangeShapeType="1"/>
-          </p:cNvCxnSpPr>
-          <p:nvPr>
-            <p:extLst>
-              <p:ext uri="{386F3935-93C4-4BCD-93E2-E3B085C9AB24}">
-                <p16:designElem xmlns:p16="http://schemas.microsoft.com/office/powerpoint/2015/main" val="1"/>
-              </p:ext>
-            </p:extLst>
-          </p:nvPr>
-        </p:nvCxnSpPr>
-        <p:spPr>
-          <a:xfrm rot="10800000" flipV="1">
-            <a:off x="305077" y="1063752"/>
-            <a:ext cx="0" cy="4727448"/>
-          </a:xfrm>
-          <a:prstGeom prst="line">
-            <a:avLst/>
-          </a:prstGeom>
-          <a:ln w="76200"/>
-        </p:spPr>
-        <p:style>
-          <a:lnRef idx="1">
-            <a:schemeClr val="accent1"/>
-          </a:lnRef>
-          <a:fillRef idx="0">
-            <a:schemeClr val="accent1"/>
-          </a:fillRef>
-          <a:effectRef idx="0">
-            <a:schemeClr val="accent1"/>
-          </a:effectRef>
-          <a:fontRef idx="minor">
-            <a:schemeClr val="tx1"/>
-          </a:fontRef>
-        </p:style>
-      </p:cxnSp>
+              <a:rPr lang="en-AU" dirty="0"/>
+              <a:t>A.I. Powered Detection of Roadside Asset Issues</a:t>
+            </a:r>
+            <a:endParaRPr lang="en-US" dirty="0"/>
+          </a:p>
+        </p:txBody>
+      </p:sp>
+      <p:sp>
+        <p:nvSpPr>
+          <p:cNvPr id="3" name="Content Placeholder 2">
+            <a:extLst>
+              <a:ext uri="{FF2B5EF4-FFF2-40B4-BE49-F238E27FC236}">
+                <a16:creationId xmlns:a16="http://schemas.microsoft.com/office/drawing/2014/main" id="{9C28739D-47DC-99BC-1800-8736AEDC1657}"/>
+              </a:ext>
+            </a:extLst>
+          </p:cNvPr>
+          <p:cNvSpPr>
+            <a:spLocks noGrp="1"/>
+          </p:cNvSpPr>
+          <p:nvPr>
+            <p:ph idx="1"/>
+          </p:nvPr>
+        </p:nvSpPr>
+        <p:spPr/>
+        <p:txBody>
+          <a:bodyPr/>
+          <a:lstStyle/>
+          <a:p>
+            <a:pPr>
+              <a:buFont typeface="Arial" panose="020B0604020202020204" pitchFamily="34" charset="0"/>
+              <a:buChar char="•"/>
+            </a:pPr>
+            <a:r>
+              <a:rPr lang="en-AU" b="1" dirty="0"/>
+              <a:t>Theme</a:t>
+            </a:r>
+            <a:r>
+              <a:rPr lang="en-AU" dirty="0"/>
+              <a:t>: Smart City / Civil and Construction Engineering</a:t>
+            </a:r>
+          </a:p>
+          <a:p>
+            <a:pPr>
+              <a:buFont typeface="Arial" panose="020B0604020202020204" pitchFamily="34" charset="0"/>
+              <a:buChar char="•"/>
+            </a:pPr>
+            <a:r>
+              <a:rPr lang="en-AU" b="1" dirty="0"/>
+              <a:t>Key Objective</a:t>
+            </a:r>
+            <a:r>
+              <a:rPr lang="en-AU" dirty="0"/>
+              <a:t>:</a:t>
+            </a:r>
+          </a:p>
+          <a:p>
+            <a:pPr marL="742950" lvl="1" indent="-285750">
+              <a:buFont typeface="Arial" panose="020B0604020202020204" pitchFamily="34" charset="0"/>
+              <a:buChar char="•"/>
+            </a:pPr>
+            <a:r>
+              <a:rPr lang="en-AU" dirty="0"/>
+              <a:t>Leverage AI to automate the detection of roadside asset issues, including damaged road signs and illegally dumped rubbish.</a:t>
+            </a:r>
+          </a:p>
+          <a:p>
+            <a:pPr marL="742950" lvl="1" indent="-285750">
+              <a:buFont typeface="Arial" panose="020B0604020202020204" pitchFamily="34" charset="0"/>
+              <a:buChar char="•"/>
+            </a:pPr>
+            <a:r>
+              <a:rPr lang="en-AU" dirty="0"/>
+              <a:t>Enhance urban infrastructure maintenance through efficient and accurate deep learning models.</a:t>
+            </a:r>
+          </a:p>
+          <a:p>
+            <a:r>
+              <a:rPr lang="en-AU" b="1" dirty="0"/>
+              <a:t>Why this is better</a:t>
+            </a:r>
+            <a:r>
+              <a:rPr lang="en-AU" dirty="0"/>
+              <a:t>: It's more concise and focuses on the power of AI to solve infrastructure problems, emphasizing both the "automation" and "urban infrastructure maintenance."</a:t>
+            </a:r>
+          </a:p>
+          <a:p>
+            <a:endParaRPr lang="en-US" dirty="0"/>
+          </a:p>
+        </p:txBody>
+      </p:sp>
     </p:spTree>
     <p:extLst>
       <p:ext uri="{BB962C8B-B14F-4D97-AF65-F5344CB8AC3E}">
-        <p14:creationId xmlns:p14="http://schemas.microsoft.com/office/powerpoint/2010/main" val="2937003467"/>
+        <p14:creationId xmlns:p14="http://schemas.microsoft.com/office/powerpoint/2010/main" val="513783149"/>
       </p:ext>
     </p:extLst>
   </p:cSld>
   <p:clrMapOvr>
-    <a:overrideClrMapping bg1="dk1" tx1="lt1" bg2="dk2" tx2="lt2" accent1="accent1" accent2="accent2" accent3="accent3" accent4="accent4" accent5="accent5" accent6="accent6" hlink="hlink" folHlink="folHlink"/>
+    <a:masterClrMapping/>
   </p:clrMapOvr>
 </p:sld>
 </file>
@@ -4039,7 +3795,7 @@
           <p:cNvPr id="2" name="Title 1">
             <a:extLst>
               <a:ext uri="{FF2B5EF4-FFF2-40B4-BE49-F238E27FC236}">
-                <a16:creationId xmlns:a16="http://schemas.microsoft.com/office/drawing/2014/main" id="{CF4ECE33-5DDA-E367-7772-7F5646C0BFD7}"/>
+                <a16:creationId xmlns:a16="http://schemas.microsoft.com/office/drawing/2014/main" id="{0D05FFE5-4B75-56F4-8586-A5D3DDD21F3F}"/>
               </a:ext>
             </a:extLst>
           </p:cNvPr>
@@ -4052,14 +3808,12 @@
         </p:nvSpPr>
         <p:spPr/>
         <p:txBody>
-          <a:bodyPr>
-            <a:normAutofit fontScale="90000"/>
-          </a:bodyPr>
-          <a:lstStyle/>
-          <a:p>
-            <a:r>
-              <a:rPr lang="en-AU" dirty="0"/>
-              <a:t>A.I. Powered Detection of Roadside Asset Issues</a:t>
+          <a:bodyPr/>
+          <a:lstStyle/>
+          <a:p>
+            <a:r>
+              <a:rPr lang="en-AU" dirty="0"/>
+              <a:t>Meet Our Team</a:t>
             </a:r>
             <a:endParaRPr lang="en-US" dirty="0"/>
           </a:p>
@@ -4070,7 +3824,7 @@
           <p:cNvPr id="3" name="Content Placeholder 2">
             <a:extLst>
               <a:ext uri="{FF2B5EF4-FFF2-40B4-BE49-F238E27FC236}">
-                <a16:creationId xmlns:a16="http://schemas.microsoft.com/office/drawing/2014/main" id="{9C28739D-47DC-99BC-1800-8736AEDC1657}"/>
+                <a16:creationId xmlns:a16="http://schemas.microsoft.com/office/drawing/2014/main" id="{C0E7EC87-D91F-0D8C-F913-9AAC2F04A2D0}"/>
               </a:ext>
             </a:extLst>
           </p:cNvPr>
@@ -4086,72 +3840,92 @@
           <a:bodyPr/>
           <a:lstStyle/>
           <a:p>
-            <a:pPr>
-              <a:buFont typeface="Arial" panose="020B0604020202020204" pitchFamily="34" charset="0"/>
-              <a:buChar char="•"/>
-            </a:pPr>
             <a:r>
               <a:rPr lang="en-AU" b="1" dirty="0"/>
-              <a:t>Theme</a:t>
-            </a:r>
-            <a:r>
-              <a:rPr lang="en-AU" dirty="0"/>
-              <a:t>: Smart City / Civil and Construction Engineering</a:t>
-            </a:r>
-          </a:p>
-          <a:p>
-            <a:pPr>
-              <a:buFont typeface="Arial" panose="020B0604020202020204" pitchFamily="34" charset="0"/>
-              <a:buChar char="•"/>
-            </a:pPr>
+              <a:t>Team Members &amp; Roles</a:t>
+            </a:r>
+            <a:r>
+              <a:rPr lang="en-AU" dirty="0"/>
+              <a:t>:</a:t>
+            </a:r>
+          </a:p>
+          <a:p>
+            <a:pPr lvl="1"/>
+            <a:r>
+              <a:rPr lang="en-AU" b="1" dirty="0" err="1"/>
+              <a:t>Rupayan</a:t>
+            </a:r>
             <a:r>
               <a:rPr lang="en-AU" b="1" dirty="0"/>
-              <a:t>Key Objective</a:t>
-            </a:r>
-            <a:r>
-              <a:rPr lang="en-AU" dirty="0"/>
-              <a:t>:</a:t>
-            </a:r>
-          </a:p>
-          <a:p>
-            <a:pPr marL="742950" lvl="1" indent="-285750">
-              <a:buFont typeface="Arial" panose="020B0604020202020204" pitchFamily="34" charset="0"/>
-              <a:buChar char="•"/>
-            </a:pPr>
-            <a:r>
-              <a:rPr lang="en-AU" dirty="0"/>
-              <a:t>Leverage AI to automate the detection of roadside asset issues, including damaged road signs and illegally dumped rubbish.</a:t>
-            </a:r>
-          </a:p>
-          <a:p>
-            <a:pPr marL="742950" lvl="1" indent="-285750">
-              <a:buFont typeface="Arial" panose="020B0604020202020204" pitchFamily="34" charset="0"/>
-              <a:buChar char="•"/>
-            </a:pPr>
-            <a:r>
-              <a:rPr lang="en-AU" dirty="0"/>
-              <a:t>Enhance urban infrastructure maintenance through efficient and accurate deep learning models.</a:t>
-            </a:r>
-          </a:p>
-          <a:p>
+              <a:t> Banerjee</a:t>
+            </a:r>
+            <a:r>
+              <a:rPr lang="en-AU" dirty="0"/>
+              <a:t>: Led data annotation and developed the user interface for interacting with the model.</a:t>
+            </a:r>
+          </a:p>
+          <a:p>
+            <a:pPr lvl="1"/>
             <a:r>
               <a:rPr lang="en-AU" b="1" dirty="0"/>
-              <a:t>Why this is better</a:t>
-            </a:r>
-            <a:r>
-              <a:rPr lang="en-AU" dirty="0"/>
-              <a:t>: It's more concise and focuses on the power of AI to solve infrastructure problems, emphasizing both the "automation" and "urban infrastructure maintenance."</a:t>
-            </a:r>
-          </a:p>
-          <a:p>
-            <a:endParaRPr lang="en-US" dirty="0"/>
+              <a:t>Vivek Saini</a:t>
+            </a:r>
+            <a:r>
+              <a:rPr lang="en-AU" dirty="0"/>
+              <a:t>: Researched and tested pre-trained object detection models.</a:t>
+            </a:r>
+          </a:p>
+          <a:p>
+            <a:pPr lvl="1"/>
+            <a:r>
+              <a:rPr lang="en-AU" b="1" dirty="0"/>
+              <a:t>Tran Duc Anh Dang</a:t>
+            </a:r>
+            <a:r>
+              <a:rPr lang="en-AU" dirty="0"/>
+              <a:t>: Pre-processed the data and contributed to training the deep learning model.</a:t>
+            </a:r>
+          </a:p>
+          <a:p>
+            <a:pPr lvl="1"/>
+            <a:r>
+              <a:rPr lang="en-AU" b="1" dirty="0" err="1"/>
+              <a:t>Lochana</a:t>
+            </a:r>
+            <a:r>
+              <a:rPr lang="en-AU" b="1" dirty="0"/>
+              <a:t> Hettiarachchi</a:t>
+            </a:r>
+            <a:r>
+              <a:rPr lang="en-AU" dirty="0"/>
+              <a:t>: Fine-tuned the model and led evaluation efforts to improve accuracy.</a:t>
+            </a:r>
+          </a:p>
+          <a:p>
+            <a:pPr lvl="1"/>
+            <a:r>
+              <a:rPr lang="en-AU" b="1" dirty="0" err="1"/>
+              <a:t>Akindu</a:t>
+            </a:r>
+            <a:r>
+              <a:rPr lang="en-AU" b="1" dirty="0"/>
+              <a:t> </a:t>
+            </a:r>
+            <a:r>
+              <a:rPr lang="en-AU" b="1" dirty="0" err="1"/>
+              <a:t>Wikramarachchi</a:t>
+            </a:r>
+            <a:r>
+              <a:rPr lang="en-AU" dirty="0"/>
+              <a:t>: Focused on model testing and final performance analysis.</a:t>
+            </a:r>
           </a:p>
         </p:txBody>
       </p:sp>
     </p:spTree>
     <p:extLst>
       <p:ext uri="{BB962C8B-B14F-4D97-AF65-F5344CB8AC3E}">
-        <p14:creationId xmlns:p14="http://schemas.microsoft.com/office/powerpoint/2010/main" val="513783149"/>
+        <p14:creationId xmlns:p14="http://schemas.microsoft.com/office/powerpoint/2010/main" val="4271410990"/>
       </p:ext>
     </p:extLst>
   </p:cSld>
@@ -4183,7 +3957,7 @@
           <p:cNvPr id="2" name="Title 1">
             <a:extLst>
               <a:ext uri="{FF2B5EF4-FFF2-40B4-BE49-F238E27FC236}">
-                <a16:creationId xmlns:a16="http://schemas.microsoft.com/office/drawing/2014/main" id="{0D05FFE5-4B75-56F4-8586-A5D3DDD21F3F}"/>
+                <a16:creationId xmlns:a16="http://schemas.microsoft.com/office/drawing/2014/main" id="{FB02A953-9A76-D2C1-35E8-5FC03BDF830F}"/>
               </a:ext>
             </a:extLst>
           </p:cNvPr>
@@ -4201,7 +3975,7 @@
           <a:p>
             <a:r>
               <a:rPr lang="en-AU" dirty="0"/>
-              <a:t>Meet Our Team</a:t>
+              <a:t>Why AI for Roadside Issues?</a:t>
             </a:r>
             <a:endParaRPr lang="en-US" dirty="0"/>
           </a:p>
@@ -4212,7 +3986,7 @@
           <p:cNvPr id="3" name="Content Placeholder 2">
             <a:extLst>
               <a:ext uri="{FF2B5EF4-FFF2-40B4-BE49-F238E27FC236}">
-                <a16:creationId xmlns:a16="http://schemas.microsoft.com/office/drawing/2014/main" id="{C0E7EC87-D91F-0D8C-F913-9AAC2F04A2D0}"/>
+                <a16:creationId xmlns:a16="http://schemas.microsoft.com/office/drawing/2014/main" id="{727B3D02-802E-C4E1-8A49-49E042A9E3F5}"/>
               </a:ext>
             </a:extLst>
           </p:cNvPr>
@@ -4225,12 +3999,14 @@
         </p:nvSpPr>
         <p:spPr/>
         <p:txBody>
-          <a:bodyPr/>
+          <a:bodyPr>
+            <a:normAutofit fontScale="92500" lnSpcReduction="20000"/>
+          </a:bodyPr>
           <a:lstStyle/>
           <a:p>
             <a:r>
               <a:rPr lang="en-AU" b="1" dirty="0"/>
-              <a:t>Team Members &amp; Roles</a:t>
+              <a:t>Motivations</a:t>
             </a:r>
             <a:r>
               <a:rPr lang="en-AU" dirty="0"/>
@@ -4240,80 +4016,85 @@
           <a:p>
             <a:pPr lvl="1"/>
             <a:r>
-              <a:rPr lang="en-AU" b="1" dirty="0" err="1"/>
-              <a:t>Rupayan</a:t>
-            </a:r>
+              <a:rPr lang="en-AU" dirty="0"/>
+              <a:t>Manual monitoring is labour intensive and prone to delays.</a:t>
+            </a:r>
+          </a:p>
+          <a:p>
+            <a:pPr lvl="1"/>
+            <a:r>
+              <a:rPr lang="en-AU" dirty="0"/>
+              <a:t>AI enables rapid, automated detection, reducing costs and improving response times.</a:t>
+            </a:r>
+          </a:p>
+          <a:p>
+            <a:pPr lvl="1"/>
+            <a:r>
+              <a:rPr lang="en-AU" dirty="0"/>
+              <a:t>Contributes to smarter, cleaner cities with fewer environmental hazards.</a:t>
+            </a:r>
+          </a:p>
+          <a:p>
             <a:r>
               <a:rPr lang="en-AU" b="1" dirty="0"/>
-              <a:t> Banerjee</a:t>
-            </a:r>
-            <a:r>
-              <a:rPr lang="en-AU" dirty="0"/>
-              <a:t>: Led data annotation and developed the user interface for interacting with the model.</a:t>
-            </a:r>
-          </a:p>
-          <a:p>
-            <a:pPr lvl="1"/>
+              <a:t>Real-World Applications</a:t>
+            </a:r>
+            <a:r>
+              <a:rPr lang="en-AU" dirty="0"/>
+              <a:t>:</a:t>
+            </a:r>
+          </a:p>
+          <a:p>
+            <a:pPr lvl="1">
+              <a:buFont typeface="+mj-lt"/>
+              <a:buAutoNum type="arabicPeriod"/>
+            </a:pPr>
             <a:r>
               <a:rPr lang="en-AU" b="1" dirty="0"/>
-              <a:t>Vivek Saini</a:t>
-            </a:r>
-            <a:r>
-              <a:rPr lang="en-AU" dirty="0"/>
-              <a:t>: Researched and tested pre-trained object detection models.</a:t>
-            </a:r>
-          </a:p>
-          <a:p>
-            <a:pPr lvl="1"/>
+              <a:t>Urban Infrastructure Management</a:t>
+            </a:r>
+            <a:r>
+              <a:rPr lang="en-AU" dirty="0"/>
+              <a:t>: Automate the detection of road sign damage and illegal dumping to streamline maintenance.</a:t>
+            </a:r>
+          </a:p>
+          <a:p>
+            <a:pPr lvl="1">
+              <a:buFont typeface="+mj-lt"/>
+              <a:buAutoNum type="arabicPeriod"/>
+            </a:pPr>
             <a:r>
               <a:rPr lang="en-AU" b="1" dirty="0"/>
-              <a:t>Tran Duc Anh Dang</a:t>
-            </a:r>
-            <a:r>
-              <a:rPr lang="en-AU" dirty="0"/>
-              <a:t>: Pre-processed the data and contributed to training the deep learning model.</a:t>
-            </a:r>
-          </a:p>
-          <a:p>
-            <a:pPr lvl="1"/>
-            <a:r>
-              <a:rPr lang="en-AU" b="1" dirty="0" err="1"/>
-              <a:t>Lochana</a:t>
-            </a:r>
+              <a:t>Environmental Monitoring</a:t>
+            </a:r>
+            <a:r>
+              <a:rPr lang="en-AU" dirty="0"/>
+              <a:t>: Quickly identify and address environmental issues, enhancing public safety and cleanliness.</a:t>
+            </a:r>
+          </a:p>
+          <a:p>
+            <a:pPr lvl="1">
+              <a:buFont typeface="+mj-lt"/>
+              <a:buAutoNum type="arabicPeriod"/>
+            </a:pPr>
             <a:r>
               <a:rPr lang="en-AU" b="1" dirty="0"/>
-              <a:t> Hettiarachchi</a:t>
-            </a:r>
-            <a:r>
-              <a:rPr lang="en-AU" dirty="0"/>
-              <a:t>: Fine-tuned the model and led evaluation efforts to improve accuracy.</a:t>
-            </a:r>
-          </a:p>
-          <a:p>
-            <a:pPr lvl="1"/>
-            <a:r>
-              <a:rPr lang="en-AU" b="1" dirty="0" err="1"/>
-              <a:t>Akindu</a:t>
-            </a:r>
-            <a:r>
-              <a:rPr lang="en-AU" b="1" dirty="0"/>
-              <a:t> </a:t>
-            </a:r>
-            <a:r>
-              <a:rPr lang="en-AU" b="1" dirty="0" err="1"/>
-              <a:t>Wikramarachchi</a:t>
-            </a:r>
-            <a:r>
-              <a:rPr lang="en-AU" dirty="0"/>
-              <a:t>: Focused on model testing and final performance analysis.</a:t>
-            </a:r>
+              <a:t>Smart City Integration</a:t>
+            </a:r>
+            <a:r>
+              <a:rPr lang="en-AU" dirty="0"/>
+              <a:t>: Enable real-time, automated asset monitoring to optimize resource allocation for city councils.</a:t>
+            </a:r>
+          </a:p>
+          <a:p>
+            <a:endParaRPr lang="en-US" dirty="0"/>
           </a:p>
         </p:txBody>
       </p:sp>
     </p:spTree>
     <p:extLst>
       <p:ext uri="{BB962C8B-B14F-4D97-AF65-F5344CB8AC3E}">
-        <p14:creationId xmlns:p14="http://schemas.microsoft.com/office/powerpoint/2010/main" val="4271410990"/>
+        <p14:creationId xmlns:p14="http://schemas.microsoft.com/office/powerpoint/2010/main" val="2086554389"/>
       </p:ext>
     </p:extLst>
   </p:cSld>
@@ -4345,7 +4126,7 @@
           <p:cNvPr id="2" name="Title 1">
             <a:extLst>
               <a:ext uri="{FF2B5EF4-FFF2-40B4-BE49-F238E27FC236}">
-                <a16:creationId xmlns:a16="http://schemas.microsoft.com/office/drawing/2014/main" id="{FB02A953-9A76-D2C1-35E8-5FC03BDF830F}"/>
+                <a16:creationId xmlns:a16="http://schemas.microsoft.com/office/drawing/2014/main" id="{A664D08F-6C58-424B-70A1-4567091F1026}"/>
               </a:ext>
             </a:extLst>
           </p:cNvPr>
@@ -4363,7 +4144,7 @@
           <a:p>
             <a:r>
               <a:rPr lang="en-AU" dirty="0"/>
-              <a:t>Why AI for Roadside Issues?</a:t>
+              <a:t>Dataset Overview</a:t>
             </a:r>
             <a:endParaRPr lang="en-US" dirty="0"/>
           </a:p>
@@ -4374,7 +4155,7 @@
           <p:cNvPr id="3" name="Content Placeholder 2">
             <a:extLst>
               <a:ext uri="{FF2B5EF4-FFF2-40B4-BE49-F238E27FC236}">
-                <a16:creationId xmlns:a16="http://schemas.microsoft.com/office/drawing/2014/main" id="{727B3D02-802E-C4E1-8A49-49E042A9E3F5}"/>
+                <a16:creationId xmlns:a16="http://schemas.microsoft.com/office/drawing/2014/main" id="{FC876DFE-DE35-571D-23DC-E7260A599CA2}"/>
               </a:ext>
             </a:extLst>
           </p:cNvPr>
@@ -4388,13 +4169,17 @@
         <p:spPr/>
         <p:txBody>
           <a:bodyPr>
-            <a:normAutofit fontScale="92500" lnSpcReduction="20000"/>
+            <a:normAutofit/>
           </a:bodyPr>
           <a:lstStyle/>
           <a:p>
+            <a:pPr>
+              <a:buFont typeface="Arial" panose="020B0604020202020204" pitchFamily="34" charset="0"/>
+              <a:buChar char="•"/>
+            </a:pPr>
             <a:r>
               <a:rPr lang="en-AU" b="1" dirty="0"/>
-              <a:t>Motivations</a:t>
+              <a:t>Dataset Source</a:t>
             </a:r>
             <a:r>
               <a:rPr lang="en-AU" dirty="0"/>
@@ -4404,85 +4189,56 @@
           <a:p>
             <a:pPr lvl="1"/>
             <a:r>
-              <a:rPr lang="en-AU" dirty="0"/>
-              <a:t>Manual monitoring is </a:t>
-            </a:r>
-            <a:r>
-              <a:rPr lang="en-AU" dirty="0" err="1"/>
-              <a:t>labor</a:t>
-            </a:r>
-            <a:r>
-              <a:rPr lang="en-AU" dirty="0"/>
-              <a:t> intensive and prone to delays.</a:t>
+              <a:rPr lang="en-AU" b="1" dirty="0"/>
+              <a:t>Rubbish Dataset</a:t>
+            </a:r>
+            <a:r>
+              <a:rPr lang="en-AU" dirty="0"/>
+              <a:t>: This dataset contains roadside images with illegally dumped rubbish.</a:t>
             </a:r>
           </a:p>
           <a:p>
             <a:pPr lvl="1"/>
             <a:r>
-              <a:rPr lang="en-AU" dirty="0"/>
-              <a:t>AI enables rapid, automated detection, reducing costs and improving response times.</a:t>
+              <a:rPr lang="en-AU" b="1" dirty="0"/>
+              <a:t>Annotations</a:t>
+            </a:r>
+            <a:r>
+              <a:rPr lang="en-AU" dirty="0"/>
+              <a:t>: We used bounding boxes to label the location of rubbish and identified at least 10 familiar objects within the rubbish, such as mattresses, furniture, toys, and electrical goods.</a:t>
             </a:r>
           </a:p>
           <a:p>
             <a:pPr lvl="1"/>
             <a:r>
-              <a:rPr lang="en-AU" dirty="0"/>
-              <a:t>Contributes to smarter, cleaner cities with fewer environmental hazards.</a:t>
-            </a:r>
-          </a:p>
-          <a:p>
-            <a:r>
               <a:rPr lang="en-AU" b="1" dirty="0"/>
-              <a:t>Real-World Applications</a:t>
-            </a:r>
-            <a:r>
-              <a:rPr lang="en-AU" dirty="0"/>
-              <a:t>:</a:t>
-            </a:r>
-          </a:p>
-          <a:p>
-            <a:pPr lvl="1">
-              <a:buFont typeface="+mj-lt"/>
-              <a:buAutoNum type="arabicPeriod"/>
+              <a:t>Tools Used</a:t>
+            </a:r>
+            <a:r>
+              <a:rPr lang="en-AU" dirty="0"/>
+              <a:t>: </a:t>
+            </a:r>
+            <a:r>
+              <a:rPr lang="en-AU" b="1" dirty="0"/>
+              <a:t>LabelMe</a:t>
+            </a:r>
+            <a:r>
+              <a:rPr lang="en-AU" dirty="0"/>
+              <a:t> was used for annotations, and we converted the data into </a:t>
+            </a:r>
+            <a:r>
+              <a:rPr lang="en-AU" b="1" dirty="0"/>
+              <a:t>COCO format</a:t>
+            </a:r>
+            <a:r>
+              <a:rPr lang="en-AU" dirty="0"/>
+              <a:t> using labelme2coco for object detection compatibility.</a:t>
+            </a:r>
+          </a:p>
+          <a:p>
+            <a:pPr marL="0" indent="0">
+              <a:buNone/>
             </a:pPr>
-            <a:r>
-              <a:rPr lang="en-AU" b="1" dirty="0"/>
-              <a:t>Urban Infrastructure Management</a:t>
-            </a:r>
-            <a:r>
-              <a:rPr lang="en-AU" dirty="0"/>
-              <a:t>: Automate the detection of road sign damage and illegal dumping to streamline maintenance.</a:t>
-            </a:r>
-          </a:p>
-          <a:p>
-            <a:pPr lvl="1">
-              <a:buFont typeface="+mj-lt"/>
-              <a:buAutoNum type="arabicPeriod"/>
-            </a:pPr>
-            <a:r>
-              <a:rPr lang="en-AU" b="1" dirty="0"/>
-              <a:t>Environmental Monitoring</a:t>
-            </a:r>
-            <a:r>
-              <a:rPr lang="en-AU" dirty="0"/>
-              <a:t>: Quickly identify and address environmental issues, enhancing public safety and cleanliness.</a:t>
-            </a:r>
-          </a:p>
-          <a:p>
-            <a:pPr lvl="1">
-              <a:buFont typeface="+mj-lt"/>
-              <a:buAutoNum type="arabicPeriod"/>
-            </a:pPr>
-            <a:r>
-              <a:rPr lang="en-AU" b="1" dirty="0"/>
-              <a:t>Smart City Integration</a:t>
-            </a:r>
-            <a:r>
-              <a:rPr lang="en-AU" dirty="0"/>
-              <a:t>: Enable real-time, automated asset monitoring to optimize resource allocation for city councils.</a:t>
-            </a:r>
-          </a:p>
-          <a:p>
             <a:endParaRPr lang="en-US" dirty="0"/>
           </a:p>
         </p:txBody>
@@ -4490,7 +4246,7 @@
     </p:spTree>
     <p:extLst>
       <p:ext uri="{BB962C8B-B14F-4D97-AF65-F5344CB8AC3E}">
-        <p14:creationId xmlns:p14="http://schemas.microsoft.com/office/powerpoint/2010/main" val="2086554389"/>
+        <p14:creationId xmlns:p14="http://schemas.microsoft.com/office/powerpoint/2010/main" val="4285406959"/>
       </p:ext>
     </p:extLst>
   </p:cSld>
@@ -4522,158 +4278,6 @@
           <p:cNvPr id="2" name="Title 1">
             <a:extLst>
               <a:ext uri="{FF2B5EF4-FFF2-40B4-BE49-F238E27FC236}">
-                <a16:creationId xmlns:a16="http://schemas.microsoft.com/office/drawing/2014/main" id="{A664D08F-6C58-424B-70A1-4567091F1026}"/>
-              </a:ext>
-            </a:extLst>
-          </p:cNvPr>
-          <p:cNvSpPr>
-            <a:spLocks noGrp="1"/>
-          </p:cNvSpPr>
-          <p:nvPr>
-            <p:ph type="title"/>
-          </p:nvPr>
-        </p:nvSpPr>
-        <p:spPr/>
-        <p:txBody>
-          <a:bodyPr/>
-          <a:lstStyle/>
-          <a:p>
-            <a:r>
-              <a:rPr lang="en-AU" dirty="0"/>
-              <a:t>Dataset Overview</a:t>
-            </a:r>
-            <a:endParaRPr lang="en-US" dirty="0"/>
-          </a:p>
-        </p:txBody>
-      </p:sp>
-      <p:sp>
-        <p:nvSpPr>
-          <p:cNvPr id="3" name="Content Placeholder 2">
-            <a:extLst>
-              <a:ext uri="{FF2B5EF4-FFF2-40B4-BE49-F238E27FC236}">
-                <a16:creationId xmlns:a16="http://schemas.microsoft.com/office/drawing/2014/main" id="{FC876DFE-DE35-571D-23DC-E7260A599CA2}"/>
-              </a:ext>
-            </a:extLst>
-          </p:cNvPr>
-          <p:cNvSpPr>
-            <a:spLocks noGrp="1"/>
-          </p:cNvSpPr>
-          <p:nvPr>
-            <p:ph idx="1"/>
-          </p:nvPr>
-        </p:nvSpPr>
-        <p:spPr/>
-        <p:txBody>
-          <a:bodyPr>
-            <a:normAutofit/>
-          </a:bodyPr>
-          <a:lstStyle/>
-          <a:p>
-            <a:pPr>
-              <a:buFont typeface="Arial" panose="020B0604020202020204" pitchFamily="34" charset="0"/>
-              <a:buChar char="•"/>
-            </a:pPr>
-            <a:r>
-              <a:rPr lang="en-AU" b="1" dirty="0"/>
-              <a:t>Dataset Source</a:t>
-            </a:r>
-            <a:r>
-              <a:rPr lang="en-AU" dirty="0"/>
-              <a:t>:</a:t>
-            </a:r>
-          </a:p>
-          <a:p>
-            <a:pPr lvl="1"/>
-            <a:r>
-              <a:rPr lang="en-AU" b="1" dirty="0"/>
-              <a:t>Rubbish Dataset</a:t>
-            </a:r>
-            <a:r>
-              <a:rPr lang="en-AU" dirty="0"/>
-              <a:t>: This dataset contains roadside images with illegally dumped rubbish.</a:t>
-            </a:r>
-          </a:p>
-          <a:p>
-            <a:pPr lvl="1"/>
-            <a:r>
-              <a:rPr lang="en-AU" b="1" dirty="0"/>
-              <a:t>Annotations</a:t>
-            </a:r>
-            <a:r>
-              <a:rPr lang="en-AU" dirty="0"/>
-              <a:t>: We used bounding boxes to label the location of rubbish and identified at least 10 familiar objects within the rubbish, such as mattresses, furniture, toys, and electrical goods.</a:t>
-            </a:r>
-          </a:p>
-          <a:p>
-            <a:pPr lvl="1"/>
-            <a:r>
-              <a:rPr lang="en-AU" b="1" dirty="0"/>
-              <a:t>Tools Used</a:t>
-            </a:r>
-            <a:r>
-              <a:rPr lang="en-AU" dirty="0"/>
-              <a:t>: </a:t>
-            </a:r>
-            <a:r>
-              <a:rPr lang="en-AU" b="1" dirty="0"/>
-              <a:t>LabelMe</a:t>
-            </a:r>
-            <a:r>
-              <a:rPr lang="en-AU" dirty="0"/>
-              <a:t> was used for annotations, and we converted the data into </a:t>
-            </a:r>
-            <a:r>
-              <a:rPr lang="en-AU" b="1" dirty="0"/>
-              <a:t>COCO format</a:t>
-            </a:r>
-            <a:r>
-              <a:rPr lang="en-AU" dirty="0"/>
-              <a:t> using labelme2coco for object detection compatibility.</a:t>
-            </a:r>
-          </a:p>
-          <a:p>
-            <a:pPr marL="0" indent="0">
-              <a:buNone/>
-            </a:pPr>
-            <a:endParaRPr lang="en-US" dirty="0"/>
-          </a:p>
-        </p:txBody>
-      </p:sp>
-    </p:spTree>
-    <p:extLst>
-      <p:ext uri="{BB962C8B-B14F-4D97-AF65-F5344CB8AC3E}">
-        <p14:creationId xmlns:p14="http://schemas.microsoft.com/office/powerpoint/2010/main" val="4285406959"/>
-      </p:ext>
-    </p:extLst>
-  </p:cSld>
-  <p:clrMapOvr>
-    <a:masterClrMapping/>
-  </p:clrMapOvr>
-</p:sld>
-</file>
-
-<file path=ppt/slides/slide6.xml><?xml version="1.0" encoding="utf-8"?>
-<p:sld xmlns:a="http://schemas.openxmlformats.org/drawingml/2006/main" xmlns:r="http://schemas.openxmlformats.org/officeDocument/2006/relationships" xmlns:p="http://schemas.openxmlformats.org/presentationml/2006/main">
-  <p:cSld>
-    <p:spTree>
-      <p:nvGrpSpPr>
-        <p:cNvPr id="1" name=""/>
-        <p:cNvGrpSpPr/>
-        <p:nvPr/>
-      </p:nvGrpSpPr>
-      <p:grpSpPr>
-        <a:xfrm>
-          <a:off x="0" y="0"/>
-          <a:ext cx="0" cy="0"/>
-          <a:chOff x="0" y="0"/>
-          <a:chExt cx="0" cy="0"/>
-        </a:xfrm>
-      </p:grpSpPr>
-      <p:sp>
-        <p:nvSpPr>
-          <p:cNvPr id="2" name="Title 1">
-            <a:extLst>
-              <a:ext uri="{FF2B5EF4-FFF2-40B4-BE49-F238E27FC236}">
                 <a16:creationId xmlns:a16="http://schemas.microsoft.com/office/drawing/2014/main" id="{36E56939-3013-F982-951D-B8EBDCE36E9D}"/>
               </a:ext>
             </a:extLst>
@@ -4801,7 +4405,7 @@
 </p:sld>
 </file>
 
-<file path=ppt/slides/slide7.xml><?xml version="1.0" encoding="utf-8"?>
+<file path=ppt/slides/slide6.xml><?xml version="1.0" encoding="utf-8"?>
 <p:sld xmlns:a="http://schemas.openxmlformats.org/drawingml/2006/main" xmlns:r="http://schemas.openxmlformats.org/officeDocument/2006/relationships" xmlns:p="http://schemas.openxmlformats.org/presentationml/2006/main">
   <p:cSld>
     <p:spTree>
